--- a/5030_finalproject_Antonia_ANGELI_GAZOLA.pptx
+++ b/5030_finalproject_Antonia_ANGELI_GAZOLA.pptx
@@ -212,7 +212,7 @@
           <a:p>
             <a:fld id="{2F620740-F226-F647-B42C-12F924AB0871}" type="datetimeFigureOut">
               <a:rPr lang="en-US" smtClean="0"/>
-              <a:t>12/3/24</a:t>
+              <a:t>12/8/24</a:t>
             </a:fld>
             <a:endParaRPr lang="en-US"/>
           </a:p>
@@ -2222,7 +2222,7 @@
           <a:p>
             <a:fld id="{E1D2D89C-6EE8-9C4B-A51E-5FAF3DBE6770}" type="datetimeFigureOut">
               <a:rPr lang="en-US" smtClean="0"/>
-              <a:t>12/3/24</a:t>
+              <a:t>12/8/24</a:t>
             </a:fld>
             <a:endParaRPr lang="en-US"/>
           </a:p>
@@ -2420,7 +2420,7 @@
           <a:p>
             <a:fld id="{E1D2D89C-6EE8-9C4B-A51E-5FAF3DBE6770}" type="datetimeFigureOut">
               <a:rPr lang="en-US" smtClean="0"/>
-              <a:t>12/3/24</a:t>
+              <a:t>12/8/24</a:t>
             </a:fld>
             <a:endParaRPr lang="en-US"/>
           </a:p>
@@ -2628,7 +2628,7 @@
           <a:p>
             <a:fld id="{E1D2D89C-6EE8-9C4B-A51E-5FAF3DBE6770}" type="datetimeFigureOut">
               <a:rPr lang="en-US" smtClean="0"/>
-              <a:t>12/3/24</a:t>
+              <a:t>12/8/24</a:t>
             </a:fld>
             <a:endParaRPr lang="en-US"/>
           </a:p>
@@ -2826,7 +2826,7 @@
           <a:p>
             <a:fld id="{E1D2D89C-6EE8-9C4B-A51E-5FAF3DBE6770}" type="datetimeFigureOut">
               <a:rPr lang="en-US" smtClean="0"/>
-              <a:t>12/3/24</a:t>
+              <a:t>12/8/24</a:t>
             </a:fld>
             <a:endParaRPr lang="en-US"/>
           </a:p>
@@ -3101,7 +3101,7 @@
           <a:p>
             <a:fld id="{E1D2D89C-6EE8-9C4B-A51E-5FAF3DBE6770}" type="datetimeFigureOut">
               <a:rPr lang="en-US" smtClean="0"/>
-              <a:t>12/3/24</a:t>
+              <a:t>12/8/24</a:t>
             </a:fld>
             <a:endParaRPr lang="en-US"/>
           </a:p>
@@ -3366,7 +3366,7 @@
           <a:p>
             <a:fld id="{E1D2D89C-6EE8-9C4B-A51E-5FAF3DBE6770}" type="datetimeFigureOut">
               <a:rPr lang="en-US" smtClean="0"/>
-              <a:t>12/3/24</a:t>
+              <a:t>12/8/24</a:t>
             </a:fld>
             <a:endParaRPr lang="en-US"/>
           </a:p>
@@ -3778,7 +3778,7 @@
           <a:p>
             <a:fld id="{E1D2D89C-6EE8-9C4B-A51E-5FAF3DBE6770}" type="datetimeFigureOut">
               <a:rPr lang="en-US" smtClean="0"/>
-              <a:t>12/3/24</a:t>
+              <a:t>12/8/24</a:t>
             </a:fld>
             <a:endParaRPr lang="en-US"/>
           </a:p>
@@ -3919,7 +3919,7 @@
           <a:p>
             <a:fld id="{E1D2D89C-6EE8-9C4B-A51E-5FAF3DBE6770}" type="datetimeFigureOut">
               <a:rPr lang="en-US" smtClean="0"/>
-              <a:t>12/3/24</a:t>
+              <a:t>12/8/24</a:t>
             </a:fld>
             <a:endParaRPr lang="en-US"/>
           </a:p>
@@ -4032,7 +4032,7 @@
           <a:p>
             <a:fld id="{E1D2D89C-6EE8-9C4B-A51E-5FAF3DBE6770}" type="datetimeFigureOut">
               <a:rPr lang="en-US" smtClean="0"/>
-              <a:t>12/3/24</a:t>
+              <a:t>12/8/24</a:t>
             </a:fld>
             <a:endParaRPr lang="en-US"/>
           </a:p>
@@ -4343,7 +4343,7 @@
           <a:p>
             <a:fld id="{E1D2D89C-6EE8-9C4B-A51E-5FAF3DBE6770}" type="datetimeFigureOut">
               <a:rPr lang="en-US" smtClean="0"/>
-              <a:t>12/3/24</a:t>
+              <a:t>12/8/24</a:t>
             </a:fld>
             <a:endParaRPr lang="en-US"/>
           </a:p>
@@ -4631,7 +4631,7 @@
           <a:p>
             <a:fld id="{E1D2D89C-6EE8-9C4B-A51E-5FAF3DBE6770}" type="datetimeFigureOut">
               <a:rPr lang="en-US" smtClean="0"/>
-              <a:t>12/3/24</a:t>
+              <a:t>12/8/24</a:t>
             </a:fld>
             <a:endParaRPr lang="en-US"/>
           </a:p>
@@ -4872,7 +4872,7 @@
           <a:p>
             <a:fld id="{E1D2D89C-6EE8-9C4B-A51E-5FAF3DBE6770}" type="datetimeFigureOut">
               <a:rPr lang="en-US" smtClean="0"/>
-              <a:t>12/3/24</a:t>
+              <a:t>12/8/24</a:t>
             </a:fld>
             <a:endParaRPr lang="en-US"/>
           </a:p>
@@ -8397,7 +8397,30 @@
                 <a:latin typeface="Calibri" panose="020F0502020204030204" pitchFamily="34" charset="0"/>
                 <a:cs typeface="Calibri" panose="020F0502020204030204" pitchFamily="34" charset="0"/>
               </a:rPr>
-              <a:t> 73 (May): 233–54. </a:t>
+              <a:t> 73 (May): 233–54</a:t>
+            </a:r>
+            <a:r>
+              <a:rPr lang="en-US" sz="1200" b="0" i="0" u="none" strike="noStrike">
+                <a:solidFill>
+                  <a:srgbClr val="212529"/>
+                </a:solidFill>
+                <a:effectLst/>
+                <a:latin typeface="Calibri" panose="020F0502020204030204" pitchFamily="34" charset="0"/>
+                <a:cs typeface="Calibri" panose="020F0502020204030204" pitchFamily="34" charset="0"/>
+              </a:rPr>
+              <a:t>.  </a:t>
+            </a:r>
+            <a:r>
+              <a:rPr lang="en-US" sz="1200" b="0" i="0" u="sng" strike="noStrike">
+                <a:solidFill>
+                  <a:srgbClr val="212529"/>
+                </a:solidFill>
+                <a:effectLst/>
+                <a:latin typeface="Calibri" panose="020F0502020204030204" pitchFamily="34" charset="0"/>
+                <a:cs typeface="Calibri" panose="020F0502020204030204" pitchFamily="34" charset="0"/>
+                <a:hlinkClick r:id="rId10"/>
+              </a:rPr>
+              <a:t>https</a:t>
             </a:r>
             <a:r>
               <a:rPr lang="en-US" sz="1200" b="0" i="0" u="sng" strike="noStrike" dirty="0">
@@ -8409,7 +8432,7 @@
                 <a:cs typeface="Calibri" panose="020F0502020204030204" pitchFamily="34" charset="0"/>
                 <a:hlinkClick r:id="rId10"/>
               </a:rPr>
-              <a:t>https://doi.org/10.3322/caac.21772</a:t>
+              <a:t>://doi.org/10.3322/caac.21772</a:t>
             </a:r>
             <a:r>
               <a:rPr lang="en-US" sz="1200" b="0" i="0" u="none" strike="noStrike" dirty="0">
@@ -8420,7 +8443,7 @@
                 <a:latin typeface="Calibri" panose="020F0502020204030204" pitchFamily="34" charset="0"/>
                 <a:cs typeface="Calibri" panose="020F0502020204030204" pitchFamily="34" charset="0"/>
               </a:rPr>
-              <a:t>.</a:t>
+              <a:t>. </a:t>
             </a:r>
           </a:p>
         </p:txBody>
